--- a/Deye_slides.pptx
+++ b/Deye_slides.pptx
@@ -162,64 +162,6 @@
 <p188:authorLst xmlns:a="http://schemas.openxmlformats.org/drawingml/2006/main" xmlns:r="http://schemas.openxmlformats.org/officeDocument/2006/relationships" xmlns:p188="http://schemas.microsoft.com/office/powerpoint/2018/8/main">
   <p188:author id="{B7CA71BE-ADB1-7479-23A1-092261895838}" name="Bao Te (Assoc Prof)" initials="TB" userId="S::baote@staff.main.ntu.edu.sg::76dc7591-3d9d-4271-96ac-8cdd45f5881e" providerId="AD"/>
 </p188:authorLst>
-</file>
-
-<file path=ppt/comments/modernComment_102_AAB15163.xml><?xml version="1.0" encoding="utf-8"?>
-<p188:cmLst xmlns:a="http://schemas.openxmlformats.org/drawingml/2006/main" xmlns:r="http://schemas.openxmlformats.org/officeDocument/2006/relationships" xmlns:p188="http://schemas.microsoft.com/office/powerpoint/2018/8/main">
-  <p188:cm id="{B4331E2D-520C-49C6-ADE3-074763D376DA}" authorId="{B7CA71BE-ADB1-7479-23A1-092261895838}" status="resolved" created="2026-01-19T15:44:22.203" complete="100000">
-    <pc:sldMkLst xmlns:pc="http://schemas.microsoft.com/office/powerpoint/2013/main/command">
-      <pc:docMk/>
-      <pc:sldMk cId="2863747427" sldId="258"/>
-    </pc:sldMkLst>
-    <p188:txBody>
-      <a:bodyPr/>
-      <a:lstStyle/>
-      <a:p>
-        <a:r>
-          <a:rPr lang="en-US"/>
-          <a:t>Enhance influence语气有点弱，general impact更好一点。</a:t>
-        </a:r>
-      </a:p>
-    </p188:txBody>
-  </p188:cm>
-</p188:cmLst>
-</file>
-
-<file path=ppt/comments/modernComment_118_30445583.xml><?xml version="1.0" encoding="utf-8"?>
-<p188:cmLst xmlns:a="http://schemas.openxmlformats.org/drawingml/2006/main" xmlns:r="http://schemas.openxmlformats.org/officeDocument/2006/relationships" xmlns:p188="http://schemas.microsoft.com/office/powerpoint/2018/8/main">
-  <p188:cm id="{94E19187-7250-43B5-9F51-0074E3F6ED38}" authorId="{B7CA71BE-ADB1-7479-23A1-092261895838}" status="resolved" created="2026-01-19T15:44:57.613" complete="100000">
-    <pc:sldMkLst xmlns:pc="http://schemas.microsoft.com/office/powerpoint/2013/main/command">
-      <pc:docMk/>
-      <pc:sldMk cId="809784707" sldId="280"/>
-    </pc:sldMkLst>
-    <p188:txBody>
-      <a:bodyPr/>
-      <a:lstStyle/>
-      <a:p>
-        <a:r>
-          <a:rPr lang="en-US"/>
-          <a:t>Not commercial这个不用写，隐含即可。</a:t>
-        </a:r>
-      </a:p>
-    </p188:txBody>
-  </p188:cm>
-  <p188:cm id="{FD109735-0693-4B22-B1A5-9854D9319747}" authorId="{B7CA71BE-ADB1-7479-23A1-092261895838}" status="resolved" created="2026-01-20T00:23:45.594" complete="100000">
-    <pc:sldMkLst xmlns:pc="http://schemas.microsoft.com/office/powerpoint/2013/main/command">
-      <pc:docMk/>
-      <pc:sldMk cId="809784707" sldId="280"/>
-    </pc:sldMkLst>
-    <p188:txBody>
-      <a:bodyPr/>
-      <a:lstStyle/>
-      <a:p>
-        <a:r>
-          <a:rPr lang="en-US"/>
-          <a:t>多用正面表达，少用负面表达。比如，on top of commercial solution provided by service provider, university can provide…… </a:t>
-        </a:r>
-      </a:p>
-    </p188:txBody>
-  </p188:cm>
-</p188:cmLst>
 </file>
 
 <file path=ppt/handoutMasters/handoutMaster1.xml><?xml version="1.0" encoding="utf-8"?>
@@ -15393,11 +15335,6 @@
   <p:clrMapOvr>
     <a:masterClrMapping/>
   </p:clrMapOvr>
-  <p:extLst>
-    <p:ext uri="{6950BFC3-D8DA-4A85-94F7-54DA5524770B}">
-      <p188:commentRel xmlns:p188="http://schemas.microsoft.com/office/powerpoint/2018/8/main" r:id="rId3"/>
-    </p:ext>
-  </p:extLst>
 </p:sld>
 </file>
 
@@ -15941,11 +15878,6 @@
   <p:clrMapOvr>
     <a:masterClrMapping/>
   </p:clrMapOvr>
-  <p:extLst>
-    <p:ext uri="{6950BFC3-D8DA-4A85-94F7-54DA5524770B}">
-      <p188:commentRel xmlns:p188="http://schemas.microsoft.com/office/powerpoint/2018/8/main" r:id="rId3"/>
-    </p:ext>
-  </p:extLst>
 </p:sld>
 </file>
 
